--- a/EGU24/figs/qr-modifed.pptx
+++ b/EGU24/figs/qr-modifed.pptx
@@ -243,7 +243,7 @@
           <a:p>
             <a:fld id="{92FF6138-4BF7-452C-A2EE-30B3D66A438B}" type="datetimeFigureOut">
               <a:rPr lang="en-AT" smtClean="0"/>
-              <a:t>19/03/2024</a:t>
+              <a:t>04/04/2024</a:t>
             </a:fld>
             <a:endParaRPr lang="en-AT"/>
           </a:p>
@@ -413,7 +413,7 @@
           <a:p>
             <a:fld id="{92FF6138-4BF7-452C-A2EE-30B3D66A438B}" type="datetimeFigureOut">
               <a:rPr lang="en-AT" smtClean="0"/>
-              <a:t>19/03/2024</a:t>
+              <a:t>04/04/2024</a:t>
             </a:fld>
             <a:endParaRPr lang="en-AT"/>
           </a:p>
@@ -593,7 +593,7 @@
           <a:p>
             <a:fld id="{92FF6138-4BF7-452C-A2EE-30B3D66A438B}" type="datetimeFigureOut">
               <a:rPr lang="en-AT" smtClean="0"/>
-              <a:t>19/03/2024</a:t>
+              <a:t>04/04/2024</a:t>
             </a:fld>
             <a:endParaRPr lang="en-AT"/>
           </a:p>
@@ -763,7 +763,7 @@
           <a:p>
             <a:fld id="{92FF6138-4BF7-452C-A2EE-30B3D66A438B}" type="datetimeFigureOut">
               <a:rPr lang="en-AT" smtClean="0"/>
-              <a:t>19/03/2024</a:t>
+              <a:t>04/04/2024</a:t>
             </a:fld>
             <a:endParaRPr lang="en-AT"/>
           </a:p>
@@ -1009,7 +1009,7 @@
           <a:p>
             <a:fld id="{92FF6138-4BF7-452C-A2EE-30B3D66A438B}" type="datetimeFigureOut">
               <a:rPr lang="en-AT" smtClean="0"/>
-              <a:t>19/03/2024</a:t>
+              <a:t>04/04/2024</a:t>
             </a:fld>
             <a:endParaRPr lang="en-AT"/>
           </a:p>
@@ -1241,7 +1241,7 @@
           <a:p>
             <a:fld id="{92FF6138-4BF7-452C-A2EE-30B3D66A438B}" type="datetimeFigureOut">
               <a:rPr lang="en-AT" smtClean="0"/>
-              <a:t>19/03/2024</a:t>
+              <a:t>04/04/2024</a:t>
             </a:fld>
             <a:endParaRPr lang="en-AT"/>
           </a:p>
@@ -1608,7 +1608,7 @@
           <a:p>
             <a:fld id="{92FF6138-4BF7-452C-A2EE-30B3D66A438B}" type="datetimeFigureOut">
               <a:rPr lang="en-AT" smtClean="0"/>
-              <a:t>19/03/2024</a:t>
+              <a:t>04/04/2024</a:t>
             </a:fld>
             <a:endParaRPr lang="en-AT"/>
           </a:p>
@@ -1726,7 +1726,7 @@
           <a:p>
             <a:fld id="{92FF6138-4BF7-452C-A2EE-30B3D66A438B}" type="datetimeFigureOut">
               <a:rPr lang="en-AT" smtClean="0"/>
-              <a:t>19/03/2024</a:t>
+              <a:t>04/04/2024</a:t>
             </a:fld>
             <a:endParaRPr lang="en-AT"/>
           </a:p>
@@ -1821,7 +1821,7 @@
           <a:p>
             <a:fld id="{92FF6138-4BF7-452C-A2EE-30B3D66A438B}" type="datetimeFigureOut">
               <a:rPr lang="en-AT" smtClean="0"/>
-              <a:t>19/03/2024</a:t>
+              <a:t>04/04/2024</a:t>
             </a:fld>
             <a:endParaRPr lang="en-AT"/>
           </a:p>
@@ -2098,7 +2098,7 @@
           <a:p>
             <a:fld id="{92FF6138-4BF7-452C-A2EE-30B3D66A438B}" type="datetimeFigureOut">
               <a:rPr lang="en-AT" smtClean="0"/>
-              <a:t>19/03/2024</a:t>
+              <a:t>04/04/2024</a:t>
             </a:fld>
             <a:endParaRPr lang="en-AT"/>
           </a:p>
@@ -2355,7 +2355,7 @@
           <a:p>
             <a:fld id="{92FF6138-4BF7-452C-A2EE-30B3D66A438B}" type="datetimeFigureOut">
               <a:rPr lang="en-AT" smtClean="0"/>
-              <a:t>19/03/2024</a:t>
+              <a:t>04/04/2024</a:t>
             </a:fld>
             <a:endParaRPr lang="en-AT"/>
           </a:p>
@@ -2568,7 +2568,7 @@
           <a:p>
             <a:fld id="{92FF6138-4BF7-452C-A2EE-30B3D66A438B}" type="datetimeFigureOut">
               <a:rPr lang="en-AT" smtClean="0"/>
-              <a:t>19/03/2024</a:t>
+              <a:t>04/04/2024</a:t>
             </a:fld>
             <a:endParaRPr lang="en-AT"/>
           </a:p>
@@ -2987,10 +2987,10 @@
         </p:nvGrpSpPr>
         <p:grpSpPr>
           <a:xfrm>
-            <a:off x="604681" y="274935"/>
-            <a:ext cx="9720877" cy="3736675"/>
-            <a:chOff x="604681" y="274935"/>
-            <a:chExt cx="9720877" cy="3736675"/>
+            <a:off x="132735" y="209781"/>
+            <a:ext cx="10158778" cy="3831276"/>
+            <a:chOff x="132735" y="210290"/>
+            <a:chExt cx="10158778" cy="3801319"/>
           </a:xfrm>
         </p:grpSpPr>
         <p:grpSp>
@@ -3007,10 +3007,10 @@
           </p:nvGrpSpPr>
           <p:grpSpPr>
             <a:xfrm>
-              <a:off x="604681" y="274935"/>
-              <a:ext cx="9720877" cy="3736675"/>
-              <a:chOff x="604681" y="274935"/>
-              <a:chExt cx="9720877" cy="3736675"/>
+              <a:off x="132735" y="210290"/>
+              <a:ext cx="10158778" cy="3801319"/>
+              <a:chOff x="132735" y="210290"/>
+              <a:chExt cx="10158778" cy="3801319"/>
             </a:xfrm>
           </p:grpSpPr>
           <p:sp>
@@ -3027,7 +3027,7 @@
             </p:nvSpPr>
             <p:spPr>
               <a:xfrm>
-                <a:off x="6576028" y="274935"/>
+                <a:off x="6541983" y="210290"/>
                 <a:ext cx="3398834" cy="461665"/>
               </a:xfrm>
               <a:prstGeom prst="rect">
@@ -3068,7 +3068,7 @@
             </p:nvSpPr>
             <p:spPr>
               <a:xfrm>
-                <a:off x="6225332" y="3642278"/>
+                <a:off x="6191287" y="3642277"/>
                 <a:ext cx="4100226" cy="369332"/>
               </a:xfrm>
               <a:prstGeom prst="rect">
@@ -3110,7 +3110,7 @@
               </p:cNvPicPr>
               <p:nvPr/>
             </p:nvPicPr>
-            <p:blipFill>
+            <p:blipFill rotWithShape="1">
               <a:blip r:embed="rId2">
                 <a:extLst>
                   <a:ext uri="{28A0092B-C50C-407E-A947-70E740481C1C}">
@@ -3118,14 +3118,13 @@
                   </a:ext>
                 </a:extLst>
               </a:blip>
-              <a:stretch>
-                <a:fillRect/>
-              </a:stretch>
+              <a:srcRect l="-6995" t="8205" r="1" b="6773"/>
+              <a:stretch/>
             </p:blipFill>
             <p:spPr>
               <a:xfrm>
-                <a:off x="604681" y="1851610"/>
-                <a:ext cx="4795200" cy="2160000"/>
+                <a:off x="132735" y="1697832"/>
+                <a:ext cx="5846019" cy="2092528"/>
               </a:xfrm>
               <a:prstGeom prst="rect">
                 <a:avLst/>
@@ -3161,8 +3160,8 @@
           </p:blipFill>
           <p:spPr>
             <a:xfrm>
-              <a:off x="6822606" y="736600"/>
-              <a:ext cx="2905678" cy="2905678"/>
+              <a:off x="6756239" y="671955"/>
+              <a:ext cx="2970323" cy="2970322"/>
             </a:xfrm>
             <a:prstGeom prst="rect">
               <a:avLst/>
